--- a/data/stats figures workflows.pptx
+++ b/data/stats figures workflows.pptx
@@ -6,6 +6,7 @@
   </p:sldMasterIdLst>
   <p:sldIdLst>
     <p:sldId id="256" r:id="rId2"/>
+    <p:sldId id="257" r:id="rId3"/>
   </p:sldIdLst>
   <p:sldSz cx="12192000" cy="6858000"/>
   <p:notesSz cx="6858000" cy="9144000"/>
@@ -261,7 +262,7 @@
           <a:p>
             <a:fld id="{1AEB57FD-0487-4E1C-8CF4-3A6B439CB085}" type="datetimeFigureOut">
               <a:rPr lang="en-GB" smtClean="0"/>
-              <a:t>28/03/2025</a:t>
+              <a:t>31/03/2025</a:t>
             </a:fld>
             <a:endParaRPr lang="en-GB"/>
           </a:p>
@@ -461,7 +462,7 @@
           <a:p>
             <a:fld id="{1AEB57FD-0487-4E1C-8CF4-3A6B439CB085}" type="datetimeFigureOut">
               <a:rPr lang="en-GB" smtClean="0"/>
-              <a:t>28/03/2025</a:t>
+              <a:t>31/03/2025</a:t>
             </a:fld>
             <a:endParaRPr lang="en-GB"/>
           </a:p>
@@ -671,7 +672,7 @@
           <a:p>
             <a:fld id="{1AEB57FD-0487-4E1C-8CF4-3A6B439CB085}" type="datetimeFigureOut">
               <a:rPr lang="en-GB" smtClean="0"/>
-              <a:t>28/03/2025</a:t>
+              <a:t>31/03/2025</a:t>
             </a:fld>
             <a:endParaRPr lang="en-GB"/>
           </a:p>
@@ -871,7 +872,7 @@
           <a:p>
             <a:fld id="{1AEB57FD-0487-4E1C-8CF4-3A6B439CB085}" type="datetimeFigureOut">
               <a:rPr lang="en-GB" smtClean="0"/>
-              <a:t>28/03/2025</a:t>
+              <a:t>31/03/2025</a:t>
             </a:fld>
             <a:endParaRPr lang="en-GB"/>
           </a:p>
@@ -1147,7 +1148,7 @@
           <a:p>
             <a:fld id="{1AEB57FD-0487-4E1C-8CF4-3A6B439CB085}" type="datetimeFigureOut">
               <a:rPr lang="en-GB" smtClean="0"/>
-              <a:t>28/03/2025</a:t>
+              <a:t>31/03/2025</a:t>
             </a:fld>
             <a:endParaRPr lang="en-GB"/>
           </a:p>
@@ -1415,7 +1416,7 @@
           <a:p>
             <a:fld id="{1AEB57FD-0487-4E1C-8CF4-3A6B439CB085}" type="datetimeFigureOut">
               <a:rPr lang="en-GB" smtClean="0"/>
-              <a:t>28/03/2025</a:t>
+              <a:t>31/03/2025</a:t>
             </a:fld>
             <a:endParaRPr lang="en-GB"/>
           </a:p>
@@ -1830,7 +1831,7 @@
           <a:p>
             <a:fld id="{1AEB57FD-0487-4E1C-8CF4-3A6B439CB085}" type="datetimeFigureOut">
               <a:rPr lang="en-GB" smtClean="0"/>
-              <a:t>28/03/2025</a:t>
+              <a:t>31/03/2025</a:t>
             </a:fld>
             <a:endParaRPr lang="en-GB"/>
           </a:p>
@@ -1972,7 +1973,7 @@
           <a:p>
             <a:fld id="{1AEB57FD-0487-4E1C-8CF4-3A6B439CB085}" type="datetimeFigureOut">
               <a:rPr lang="en-GB" smtClean="0"/>
-              <a:t>28/03/2025</a:t>
+              <a:t>31/03/2025</a:t>
             </a:fld>
             <a:endParaRPr lang="en-GB"/>
           </a:p>
@@ -2085,7 +2086,7 @@
           <a:p>
             <a:fld id="{1AEB57FD-0487-4E1C-8CF4-3A6B439CB085}" type="datetimeFigureOut">
               <a:rPr lang="en-GB" smtClean="0"/>
-              <a:t>28/03/2025</a:t>
+              <a:t>31/03/2025</a:t>
             </a:fld>
             <a:endParaRPr lang="en-GB"/>
           </a:p>
@@ -2398,7 +2399,7 @@
           <a:p>
             <a:fld id="{1AEB57FD-0487-4E1C-8CF4-3A6B439CB085}" type="datetimeFigureOut">
               <a:rPr lang="en-GB" smtClean="0"/>
-              <a:t>28/03/2025</a:t>
+              <a:t>31/03/2025</a:t>
             </a:fld>
             <a:endParaRPr lang="en-GB"/>
           </a:p>
@@ -2687,7 +2688,7 @@
           <a:p>
             <a:fld id="{1AEB57FD-0487-4E1C-8CF4-3A6B439CB085}" type="datetimeFigureOut">
               <a:rPr lang="en-GB" smtClean="0"/>
-              <a:t>28/03/2025</a:t>
+              <a:t>31/03/2025</a:t>
             </a:fld>
             <a:endParaRPr lang="en-GB"/>
           </a:p>
@@ -2930,7 +2931,7 @@
           <a:p>
             <a:fld id="{1AEB57FD-0487-4E1C-8CF4-3A6B439CB085}" type="datetimeFigureOut">
               <a:rPr lang="en-GB" smtClean="0"/>
-              <a:t>28/03/2025</a:t>
+              <a:t>31/03/2025</a:t>
             </a:fld>
             <a:endParaRPr lang="en-GB"/>
           </a:p>
@@ -4676,6 +4677,628 @@
     <p:extLst>
       <p:ext uri="{BB962C8B-B14F-4D97-AF65-F5344CB8AC3E}">
         <p14:creationId xmlns:p14="http://schemas.microsoft.com/office/powerpoint/2010/main" val="1375308977"/>
+      </p:ext>
+    </p:extLst>
+  </p:cSld>
+  <p:clrMapOvr>
+    <a:masterClrMapping/>
+  </p:clrMapOvr>
+</p:sld>
+</file>
+
+<file path=ppt/slides/slide2.xml><?xml version="1.0" encoding="utf-8"?>
+<p:sld xmlns:a="http://schemas.openxmlformats.org/drawingml/2006/main" xmlns:r="http://schemas.openxmlformats.org/officeDocument/2006/relationships" xmlns:p="http://schemas.openxmlformats.org/presentationml/2006/main">
+  <p:cSld>
+    <p:spTree>
+      <p:nvGrpSpPr>
+        <p:cNvPr id="1" name=""/>
+        <p:cNvGrpSpPr/>
+        <p:nvPr/>
+      </p:nvGrpSpPr>
+      <p:grpSpPr>
+        <a:xfrm>
+          <a:off x="0" y="0"/>
+          <a:ext cx="0" cy="0"/>
+          <a:chOff x="0" y="0"/>
+          <a:chExt cx="0" cy="0"/>
+        </a:xfrm>
+      </p:grpSpPr>
+      <p:sp>
+        <p:nvSpPr>
+          <p:cNvPr id="4" name="TextBox 3">
+            <a:extLst>
+              <a:ext uri="{FF2B5EF4-FFF2-40B4-BE49-F238E27FC236}">
+                <a16:creationId xmlns:a16="http://schemas.microsoft.com/office/drawing/2014/main" id="{9FFB689E-9A86-09E5-53EB-B59D275F4208}"/>
+              </a:ext>
+            </a:extLst>
+          </p:cNvPr>
+          <p:cNvSpPr txBox="1"/>
+          <p:nvPr/>
+        </p:nvSpPr>
+        <p:spPr>
+          <a:xfrm>
+            <a:off x="958673" y="304138"/>
+            <a:ext cx="2213734" cy="369332"/>
+          </a:xfrm>
+          <a:prstGeom prst="rect">
+            <a:avLst/>
+          </a:prstGeom>
+          <a:solidFill>
+            <a:srgbClr val="ECD988"/>
+          </a:solidFill>
+          <a:ln w="19050">
+            <a:solidFill>
+              <a:schemeClr val="tx1"/>
+            </a:solidFill>
+          </a:ln>
+        </p:spPr>
+        <p:txBody>
+          <a:bodyPr wrap="square" rtlCol="0">
+            <a:spAutoFit/>
+          </a:bodyPr>
+          <a:lstStyle/>
+          <a:p>
+            <a:pPr algn="ctr"/>
+            <a:r>
+              <a:rPr lang="en-GB" dirty="0">
+                <a:latin typeface="Arial" panose="020B0604020202020204" pitchFamily="34" charset="0"/>
+                <a:cs typeface="Arial" panose="020B0604020202020204" pitchFamily="34" charset="0"/>
+              </a:rPr>
+              <a:t>Define variables</a:t>
+            </a:r>
+          </a:p>
+        </p:txBody>
+      </p:sp>
+      <p:cxnSp>
+        <p:nvCxnSpPr>
+          <p:cNvPr id="6" name="Straight Arrow Connector 5">
+            <a:extLst>
+              <a:ext uri="{FF2B5EF4-FFF2-40B4-BE49-F238E27FC236}">
+                <a16:creationId xmlns:a16="http://schemas.microsoft.com/office/drawing/2014/main" id="{76FC3526-9851-7EEF-5231-5982B2835CAA}"/>
+              </a:ext>
+            </a:extLst>
+          </p:cNvPr>
+          <p:cNvCxnSpPr>
+            <a:cxnSpLocks/>
+          </p:cNvCxnSpPr>
+          <p:nvPr/>
+        </p:nvCxnSpPr>
+        <p:spPr>
+          <a:xfrm flipV="1">
+            <a:off x="2055912" y="672496"/>
+            <a:ext cx="0" cy="316549"/>
+          </a:xfrm>
+          <a:prstGeom prst="straightConnector1">
+            <a:avLst/>
+          </a:prstGeom>
+          <a:ln w="28575">
+            <a:solidFill>
+              <a:schemeClr val="tx1"/>
+            </a:solidFill>
+            <a:headEnd type="triangle" w="med" len="med"/>
+            <a:tailEnd type="none" w="med" len="med"/>
+          </a:ln>
+        </p:spPr>
+        <p:style>
+          <a:lnRef idx="2">
+            <a:schemeClr val="accent1"/>
+          </a:lnRef>
+          <a:fillRef idx="0">
+            <a:schemeClr val="accent1"/>
+          </a:fillRef>
+          <a:effectRef idx="1">
+            <a:schemeClr val="accent1"/>
+          </a:effectRef>
+          <a:fontRef idx="minor">
+            <a:schemeClr val="tx1"/>
+          </a:fontRef>
+        </p:style>
+      </p:cxnSp>
+      <p:sp>
+        <p:nvSpPr>
+          <p:cNvPr id="9" name="TextBox 8">
+            <a:extLst>
+              <a:ext uri="{FF2B5EF4-FFF2-40B4-BE49-F238E27FC236}">
+                <a16:creationId xmlns:a16="http://schemas.microsoft.com/office/drawing/2014/main" id="{111E021A-877D-EDB9-5EE0-BD3876051960}"/>
+              </a:ext>
+            </a:extLst>
+          </p:cNvPr>
+          <p:cNvSpPr txBox="1"/>
+          <p:nvPr/>
+        </p:nvSpPr>
+        <p:spPr>
+          <a:xfrm>
+            <a:off x="663202" y="1016374"/>
+            <a:ext cx="2779793" cy="923330"/>
+          </a:xfrm>
+          <a:prstGeom prst="rect">
+            <a:avLst/>
+          </a:prstGeom>
+          <a:solidFill>
+            <a:srgbClr val="ECD988"/>
+          </a:solidFill>
+          <a:ln w="19050">
+            <a:solidFill>
+              <a:schemeClr val="tx1"/>
+            </a:solidFill>
+          </a:ln>
+        </p:spPr>
+        <p:txBody>
+          <a:bodyPr wrap="square" rtlCol="0">
+            <a:spAutoFit/>
+          </a:bodyPr>
+          <a:lstStyle/>
+          <a:p>
+            <a:pPr algn="ctr"/>
+            <a:r>
+              <a:rPr lang="en-GB" dirty="0">
+                <a:latin typeface="Arial" panose="020B0604020202020204" pitchFamily="34" charset="0"/>
+                <a:cs typeface="Arial" panose="020B0604020202020204" pitchFamily="34" charset="0"/>
+              </a:rPr>
+              <a:t>Select the statistical test, and appropriate model (LM, LMM, GLM, GLMM)</a:t>
+            </a:r>
+          </a:p>
+        </p:txBody>
+      </p:sp>
+      <p:cxnSp>
+        <p:nvCxnSpPr>
+          <p:cNvPr id="10" name="Straight Arrow Connector 9">
+            <a:extLst>
+              <a:ext uri="{FF2B5EF4-FFF2-40B4-BE49-F238E27FC236}">
+                <a16:creationId xmlns:a16="http://schemas.microsoft.com/office/drawing/2014/main" id="{ED3AE8EB-B5D7-44D8-7A42-9E04A10208B1}"/>
+              </a:ext>
+            </a:extLst>
+          </p:cNvPr>
+          <p:cNvCxnSpPr>
+            <a:cxnSpLocks/>
+          </p:cNvCxnSpPr>
+          <p:nvPr/>
+        </p:nvCxnSpPr>
+        <p:spPr>
+          <a:xfrm flipV="1">
+            <a:off x="2040360" y="1944569"/>
+            <a:ext cx="0" cy="316549"/>
+          </a:xfrm>
+          <a:prstGeom prst="straightConnector1">
+            <a:avLst/>
+          </a:prstGeom>
+          <a:ln w="28575">
+            <a:solidFill>
+              <a:schemeClr val="tx1"/>
+            </a:solidFill>
+            <a:headEnd type="triangle" w="med" len="med"/>
+            <a:tailEnd type="none" w="med" len="med"/>
+          </a:ln>
+        </p:spPr>
+        <p:style>
+          <a:lnRef idx="2">
+            <a:schemeClr val="accent1"/>
+          </a:lnRef>
+          <a:fillRef idx="0">
+            <a:schemeClr val="accent1"/>
+          </a:fillRef>
+          <a:effectRef idx="1">
+            <a:schemeClr val="accent1"/>
+          </a:effectRef>
+          <a:fontRef idx="minor">
+            <a:schemeClr val="tx1"/>
+          </a:fontRef>
+        </p:style>
+      </p:cxnSp>
+      <p:sp>
+        <p:nvSpPr>
+          <p:cNvPr id="11" name="TextBox 10">
+            <a:extLst>
+              <a:ext uri="{FF2B5EF4-FFF2-40B4-BE49-F238E27FC236}">
+                <a16:creationId xmlns:a16="http://schemas.microsoft.com/office/drawing/2014/main" id="{0D24BA57-03D9-CAD2-6310-6F25F3F8469F}"/>
+              </a:ext>
+            </a:extLst>
+          </p:cNvPr>
+          <p:cNvSpPr txBox="1"/>
+          <p:nvPr/>
+        </p:nvSpPr>
+        <p:spPr>
+          <a:xfrm>
+            <a:off x="943122" y="2303998"/>
+            <a:ext cx="2213734" cy="646331"/>
+          </a:xfrm>
+          <a:prstGeom prst="rect">
+            <a:avLst/>
+          </a:prstGeom>
+          <a:solidFill>
+            <a:srgbClr val="ECD988"/>
+          </a:solidFill>
+          <a:ln w="19050">
+            <a:solidFill>
+              <a:schemeClr val="tx1"/>
+            </a:solidFill>
+          </a:ln>
+        </p:spPr>
+        <p:txBody>
+          <a:bodyPr wrap="square" rtlCol="0">
+            <a:spAutoFit/>
+          </a:bodyPr>
+          <a:lstStyle/>
+          <a:p>
+            <a:pPr algn="ctr"/>
+            <a:r>
+              <a:rPr lang="en-GB" dirty="0">
+                <a:latin typeface="Arial" panose="020B0604020202020204" pitchFamily="34" charset="0"/>
+                <a:cs typeface="Arial" panose="020B0604020202020204" pitchFamily="34" charset="0"/>
+              </a:rPr>
+              <a:t>Prepare the data in the correct format</a:t>
+            </a:r>
+          </a:p>
+        </p:txBody>
+      </p:sp>
+      <p:cxnSp>
+        <p:nvCxnSpPr>
+          <p:cNvPr id="12" name="Straight Arrow Connector 11">
+            <a:extLst>
+              <a:ext uri="{FF2B5EF4-FFF2-40B4-BE49-F238E27FC236}">
+                <a16:creationId xmlns:a16="http://schemas.microsoft.com/office/drawing/2014/main" id="{A1667048-C489-F222-1989-2BED62131FE3}"/>
+              </a:ext>
+            </a:extLst>
+          </p:cNvPr>
+          <p:cNvCxnSpPr>
+            <a:cxnSpLocks/>
+          </p:cNvCxnSpPr>
+          <p:nvPr/>
+        </p:nvCxnSpPr>
+        <p:spPr>
+          <a:xfrm flipV="1">
+            <a:off x="2052801" y="2936724"/>
+            <a:ext cx="0" cy="316549"/>
+          </a:xfrm>
+          <a:prstGeom prst="straightConnector1">
+            <a:avLst/>
+          </a:prstGeom>
+          <a:ln w="28575">
+            <a:solidFill>
+              <a:schemeClr val="tx1"/>
+            </a:solidFill>
+            <a:headEnd type="triangle" w="med" len="med"/>
+            <a:tailEnd type="none" w="med" len="med"/>
+          </a:ln>
+        </p:spPr>
+        <p:style>
+          <a:lnRef idx="2">
+            <a:schemeClr val="accent1"/>
+          </a:lnRef>
+          <a:fillRef idx="0">
+            <a:schemeClr val="accent1"/>
+          </a:fillRef>
+          <a:effectRef idx="1">
+            <a:schemeClr val="accent1"/>
+          </a:effectRef>
+          <a:fontRef idx="minor">
+            <a:schemeClr val="tx1"/>
+          </a:fontRef>
+        </p:style>
+      </p:cxnSp>
+      <p:sp>
+        <p:nvSpPr>
+          <p:cNvPr id="13" name="TextBox 12">
+            <a:extLst>
+              <a:ext uri="{FF2B5EF4-FFF2-40B4-BE49-F238E27FC236}">
+                <a16:creationId xmlns:a16="http://schemas.microsoft.com/office/drawing/2014/main" id="{84B6E4B5-A178-3A1B-D0FD-BE795F236219}"/>
+              </a:ext>
+            </a:extLst>
+          </p:cNvPr>
+          <p:cNvSpPr txBox="1"/>
+          <p:nvPr/>
+        </p:nvSpPr>
+        <p:spPr>
+          <a:xfrm>
+            <a:off x="712966" y="3305485"/>
+            <a:ext cx="2683375" cy="923330"/>
+          </a:xfrm>
+          <a:prstGeom prst="rect">
+            <a:avLst/>
+          </a:prstGeom>
+          <a:solidFill>
+            <a:srgbClr val="ECD988"/>
+          </a:solidFill>
+          <a:ln w="19050">
+            <a:solidFill>
+              <a:schemeClr val="tx1"/>
+            </a:solidFill>
+          </a:ln>
+        </p:spPr>
+        <p:txBody>
+          <a:bodyPr wrap="square" rtlCol="0">
+            <a:spAutoFit/>
+          </a:bodyPr>
+          <a:lstStyle/>
+          <a:p>
+            <a:pPr algn="ctr"/>
+            <a:r>
+              <a:rPr lang="en-GB" dirty="0">
+                <a:latin typeface="Arial" panose="020B0604020202020204" pitchFamily="34" charset="0"/>
+                <a:cs typeface="Arial" panose="020B0604020202020204" pitchFamily="34" charset="0"/>
+              </a:rPr>
+              <a:t>Formulate the correct model syntax with appropriate variables</a:t>
+            </a:r>
+          </a:p>
+        </p:txBody>
+      </p:sp>
+      <p:cxnSp>
+        <p:nvCxnSpPr>
+          <p:cNvPr id="14" name="Straight Arrow Connector 13">
+            <a:extLst>
+              <a:ext uri="{FF2B5EF4-FFF2-40B4-BE49-F238E27FC236}">
+                <a16:creationId xmlns:a16="http://schemas.microsoft.com/office/drawing/2014/main" id="{339A91A2-3A24-6099-5364-51D1A3F442B6}"/>
+              </a:ext>
+            </a:extLst>
+          </p:cNvPr>
+          <p:cNvCxnSpPr>
+            <a:cxnSpLocks/>
+          </p:cNvCxnSpPr>
+          <p:nvPr/>
+        </p:nvCxnSpPr>
+        <p:spPr>
+          <a:xfrm flipV="1">
+            <a:off x="2055911" y="4218128"/>
+            <a:ext cx="0" cy="316549"/>
+          </a:xfrm>
+          <a:prstGeom prst="straightConnector1">
+            <a:avLst/>
+          </a:prstGeom>
+          <a:ln w="28575">
+            <a:solidFill>
+              <a:schemeClr val="tx1"/>
+            </a:solidFill>
+            <a:headEnd type="triangle" w="med" len="med"/>
+            <a:tailEnd type="none" w="med" len="med"/>
+          </a:ln>
+        </p:spPr>
+        <p:style>
+          <a:lnRef idx="2">
+            <a:schemeClr val="accent1"/>
+          </a:lnRef>
+          <a:fillRef idx="0">
+            <a:schemeClr val="accent1"/>
+          </a:fillRef>
+          <a:effectRef idx="1">
+            <a:schemeClr val="accent1"/>
+          </a:effectRef>
+          <a:fontRef idx="minor">
+            <a:schemeClr val="tx1"/>
+          </a:fontRef>
+        </p:style>
+      </p:cxnSp>
+      <p:sp>
+        <p:nvSpPr>
+          <p:cNvPr id="15" name="TextBox 14">
+            <a:extLst>
+              <a:ext uri="{FF2B5EF4-FFF2-40B4-BE49-F238E27FC236}">
+                <a16:creationId xmlns:a16="http://schemas.microsoft.com/office/drawing/2014/main" id="{214461EB-383E-3BDE-274B-3F070BC8EE2B}"/>
+              </a:ext>
+            </a:extLst>
+          </p:cNvPr>
+          <p:cNvSpPr txBox="1"/>
+          <p:nvPr/>
+        </p:nvSpPr>
+        <p:spPr>
+          <a:xfrm>
+            <a:off x="734738" y="4549567"/>
+            <a:ext cx="2683375" cy="646331"/>
+          </a:xfrm>
+          <a:prstGeom prst="rect">
+            <a:avLst/>
+          </a:prstGeom>
+          <a:solidFill>
+            <a:srgbClr val="ECD988"/>
+          </a:solidFill>
+          <a:ln w="19050">
+            <a:solidFill>
+              <a:schemeClr val="tx1"/>
+            </a:solidFill>
+          </a:ln>
+        </p:spPr>
+        <p:txBody>
+          <a:bodyPr wrap="square" rtlCol="0">
+            <a:spAutoFit/>
+          </a:bodyPr>
+          <a:lstStyle/>
+          <a:p>
+            <a:pPr algn="ctr"/>
+            <a:r>
+              <a:rPr lang="en-GB" dirty="0">
+                <a:latin typeface="Arial" panose="020B0604020202020204" pitchFamily="34" charset="0"/>
+                <a:cs typeface="Arial" panose="020B0604020202020204" pitchFamily="34" charset="0"/>
+              </a:rPr>
+              <a:t>Check model assumptions and fit</a:t>
+            </a:r>
+          </a:p>
+        </p:txBody>
+      </p:sp>
+      <p:sp>
+        <p:nvSpPr>
+          <p:cNvPr id="16" name="TextBox 15">
+            <a:extLst>
+              <a:ext uri="{FF2B5EF4-FFF2-40B4-BE49-F238E27FC236}">
+                <a16:creationId xmlns:a16="http://schemas.microsoft.com/office/drawing/2014/main" id="{6584021E-162B-752B-3348-DB4E8C4D4D57}"/>
+              </a:ext>
+            </a:extLst>
+          </p:cNvPr>
+          <p:cNvSpPr txBox="1"/>
+          <p:nvPr/>
+        </p:nvSpPr>
+        <p:spPr>
+          <a:xfrm>
+            <a:off x="737848" y="5560383"/>
+            <a:ext cx="2683375" cy="369332"/>
+          </a:xfrm>
+          <a:prstGeom prst="rect">
+            <a:avLst/>
+          </a:prstGeom>
+          <a:solidFill>
+            <a:srgbClr val="ECD988"/>
+          </a:solidFill>
+          <a:ln w="19050">
+            <a:solidFill>
+              <a:schemeClr val="tx1"/>
+            </a:solidFill>
+          </a:ln>
+        </p:spPr>
+        <p:txBody>
+          <a:bodyPr wrap="square" rtlCol="0">
+            <a:spAutoFit/>
+          </a:bodyPr>
+          <a:lstStyle/>
+          <a:p>
+            <a:pPr algn="ctr"/>
+            <a:r>
+              <a:rPr lang="en-GB" dirty="0">
+                <a:latin typeface="Arial" panose="020B0604020202020204" pitchFamily="34" charset="0"/>
+                <a:cs typeface="Arial" panose="020B0604020202020204" pitchFamily="34" charset="0"/>
+              </a:rPr>
+              <a:t>Perform model selection</a:t>
+            </a:r>
+          </a:p>
+        </p:txBody>
+      </p:sp>
+      <p:cxnSp>
+        <p:nvCxnSpPr>
+          <p:cNvPr id="17" name="Straight Arrow Connector 16">
+            <a:extLst>
+              <a:ext uri="{FF2B5EF4-FFF2-40B4-BE49-F238E27FC236}">
+                <a16:creationId xmlns:a16="http://schemas.microsoft.com/office/drawing/2014/main" id="{90A1C7E5-0859-D849-9F8D-20027991FC24}"/>
+              </a:ext>
+            </a:extLst>
+          </p:cNvPr>
+          <p:cNvCxnSpPr>
+            <a:cxnSpLocks/>
+          </p:cNvCxnSpPr>
+          <p:nvPr/>
+        </p:nvCxnSpPr>
+        <p:spPr>
+          <a:xfrm flipV="1">
+            <a:off x="2068352" y="5210283"/>
+            <a:ext cx="0" cy="316549"/>
+          </a:xfrm>
+          <a:prstGeom prst="straightConnector1">
+            <a:avLst/>
+          </a:prstGeom>
+          <a:ln w="28575">
+            <a:solidFill>
+              <a:schemeClr val="tx1"/>
+            </a:solidFill>
+            <a:headEnd type="triangle" w="med" len="med"/>
+            <a:tailEnd type="none" w="med" len="med"/>
+          </a:ln>
+        </p:spPr>
+        <p:style>
+          <a:lnRef idx="2">
+            <a:schemeClr val="accent1"/>
+          </a:lnRef>
+          <a:fillRef idx="0">
+            <a:schemeClr val="accent1"/>
+          </a:fillRef>
+          <a:effectRef idx="1">
+            <a:schemeClr val="accent1"/>
+          </a:effectRef>
+          <a:fontRef idx="minor">
+            <a:schemeClr val="tx1"/>
+          </a:fontRef>
+        </p:style>
+      </p:cxnSp>
+      <p:cxnSp>
+        <p:nvCxnSpPr>
+          <p:cNvPr id="18" name="Straight Arrow Connector 17">
+            <a:extLst>
+              <a:ext uri="{FF2B5EF4-FFF2-40B4-BE49-F238E27FC236}">
+                <a16:creationId xmlns:a16="http://schemas.microsoft.com/office/drawing/2014/main" id="{D83841BD-5A11-6586-1EBE-DBCD53467C37}"/>
+              </a:ext>
+            </a:extLst>
+          </p:cNvPr>
+          <p:cNvCxnSpPr>
+            <a:cxnSpLocks/>
+          </p:cNvCxnSpPr>
+          <p:nvPr/>
+        </p:nvCxnSpPr>
+        <p:spPr>
+          <a:xfrm flipV="1">
+            <a:off x="2071462" y="5922520"/>
+            <a:ext cx="0" cy="316549"/>
+          </a:xfrm>
+          <a:prstGeom prst="straightConnector1">
+            <a:avLst/>
+          </a:prstGeom>
+          <a:ln w="28575">
+            <a:solidFill>
+              <a:schemeClr val="tx1"/>
+            </a:solidFill>
+            <a:headEnd type="triangle" w="med" len="med"/>
+            <a:tailEnd type="none" w="med" len="med"/>
+          </a:ln>
+        </p:spPr>
+        <p:style>
+          <a:lnRef idx="2">
+            <a:schemeClr val="accent1"/>
+          </a:lnRef>
+          <a:fillRef idx="0">
+            <a:schemeClr val="accent1"/>
+          </a:fillRef>
+          <a:effectRef idx="1">
+            <a:schemeClr val="accent1"/>
+          </a:effectRef>
+          <a:fontRef idx="minor">
+            <a:schemeClr val="tx1"/>
+          </a:fontRef>
+        </p:style>
+      </p:cxnSp>
+      <p:sp>
+        <p:nvSpPr>
+          <p:cNvPr id="19" name="TextBox 18">
+            <a:extLst>
+              <a:ext uri="{FF2B5EF4-FFF2-40B4-BE49-F238E27FC236}">
+                <a16:creationId xmlns:a16="http://schemas.microsoft.com/office/drawing/2014/main" id="{795D5FFF-DAD1-75CD-E458-3B347C9590B1}"/>
+              </a:ext>
+            </a:extLst>
+          </p:cNvPr>
+          <p:cNvSpPr txBox="1"/>
+          <p:nvPr/>
+        </p:nvSpPr>
+        <p:spPr>
+          <a:xfrm>
+            <a:off x="740959" y="6272620"/>
+            <a:ext cx="2683375" cy="369332"/>
+          </a:xfrm>
+          <a:prstGeom prst="rect">
+            <a:avLst/>
+          </a:prstGeom>
+          <a:solidFill>
+            <a:srgbClr val="ECD988"/>
+          </a:solidFill>
+          <a:ln w="19050">
+            <a:solidFill>
+              <a:schemeClr val="tx1"/>
+            </a:solidFill>
+          </a:ln>
+        </p:spPr>
+        <p:txBody>
+          <a:bodyPr wrap="square" rtlCol="0">
+            <a:spAutoFit/>
+          </a:bodyPr>
+          <a:lstStyle/>
+          <a:p>
+            <a:pPr algn="ctr"/>
+            <a:r>
+              <a:rPr lang="en-GB" dirty="0">
+                <a:latin typeface="Arial" panose="020B0604020202020204" pitchFamily="34" charset="0"/>
+                <a:cs typeface="Arial" panose="020B0604020202020204" pitchFamily="34" charset="0"/>
+              </a:rPr>
+              <a:t>Report stats with figures</a:t>
+            </a:r>
+          </a:p>
+        </p:txBody>
+      </p:sp>
+    </p:spTree>
+    <p:extLst>
+      <p:ext uri="{BB962C8B-B14F-4D97-AF65-F5344CB8AC3E}">
+        <p14:creationId xmlns:p14="http://schemas.microsoft.com/office/powerpoint/2010/main" val="289217209"/>
       </p:ext>
     </p:extLst>
   </p:cSld>
